--- a/[Bar Chart] 인터페이스가이드.pptx
+++ b/[Bar Chart] 인터페이스가이드.pptx
@@ -260,7 +260,7 @@
           <a:p>
             <a:fld id="{29AA2D52-0666-440A-8514-837357297E09}" type="datetimeFigureOut">
               <a:rPr lang="ko-KR" altLang="en-US" smtClean="0"/>
-              <a:t>2020-08-16</a:t>
+              <a:t>2020-08-17</a:t>
             </a:fld>
             <a:endParaRPr lang="ko-KR" altLang="en-US"/>
           </a:p>
@@ -458,7 +458,7 @@
           <a:p>
             <a:fld id="{29AA2D52-0666-440A-8514-837357297E09}" type="datetimeFigureOut">
               <a:rPr lang="ko-KR" altLang="en-US" smtClean="0"/>
-              <a:t>2020-08-16</a:t>
+              <a:t>2020-08-17</a:t>
             </a:fld>
             <a:endParaRPr lang="ko-KR" altLang="en-US"/>
           </a:p>
@@ -666,7 +666,7 @@
           <a:p>
             <a:fld id="{29AA2D52-0666-440A-8514-837357297E09}" type="datetimeFigureOut">
               <a:rPr lang="ko-KR" altLang="en-US" smtClean="0"/>
-              <a:t>2020-08-16</a:t>
+              <a:t>2020-08-17</a:t>
             </a:fld>
             <a:endParaRPr lang="ko-KR" altLang="en-US"/>
           </a:p>
@@ -864,7 +864,7 @@
           <a:p>
             <a:fld id="{29AA2D52-0666-440A-8514-837357297E09}" type="datetimeFigureOut">
               <a:rPr lang="ko-KR" altLang="en-US" smtClean="0"/>
-              <a:t>2020-08-16</a:t>
+              <a:t>2020-08-17</a:t>
             </a:fld>
             <a:endParaRPr lang="ko-KR" altLang="en-US"/>
           </a:p>
@@ -1139,7 +1139,7 @@
           <a:p>
             <a:fld id="{29AA2D52-0666-440A-8514-837357297E09}" type="datetimeFigureOut">
               <a:rPr lang="ko-KR" altLang="en-US" smtClean="0"/>
-              <a:t>2020-08-16</a:t>
+              <a:t>2020-08-17</a:t>
             </a:fld>
             <a:endParaRPr lang="ko-KR" altLang="en-US"/>
           </a:p>
@@ -1404,7 +1404,7 @@
           <a:p>
             <a:fld id="{29AA2D52-0666-440A-8514-837357297E09}" type="datetimeFigureOut">
               <a:rPr lang="ko-KR" altLang="en-US" smtClean="0"/>
-              <a:t>2020-08-16</a:t>
+              <a:t>2020-08-17</a:t>
             </a:fld>
             <a:endParaRPr lang="ko-KR" altLang="en-US"/>
           </a:p>
@@ -1816,7 +1816,7 @@
           <a:p>
             <a:fld id="{29AA2D52-0666-440A-8514-837357297E09}" type="datetimeFigureOut">
               <a:rPr lang="ko-KR" altLang="en-US" smtClean="0"/>
-              <a:t>2020-08-16</a:t>
+              <a:t>2020-08-17</a:t>
             </a:fld>
             <a:endParaRPr lang="ko-KR" altLang="en-US"/>
           </a:p>
@@ -1957,7 +1957,7 @@
           <a:p>
             <a:fld id="{29AA2D52-0666-440A-8514-837357297E09}" type="datetimeFigureOut">
               <a:rPr lang="ko-KR" altLang="en-US" smtClean="0"/>
-              <a:t>2020-08-16</a:t>
+              <a:t>2020-08-17</a:t>
             </a:fld>
             <a:endParaRPr lang="ko-KR" altLang="en-US"/>
           </a:p>
@@ -2070,7 +2070,7 @@
           <a:p>
             <a:fld id="{29AA2D52-0666-440A-8514-837357297E09}" type="datetimeFigureOut">
               <a:rPr lang="ko-KR" altLang="en-US" smtClean="0"/>
-              <a:t>2020-08-16</a:t>
+              <a:t>2020-08-17</a:t>
             </a:fld>
             <a:endParaRPr lang="ko-KR" altLang="en-US"/>
           </a:p>
@@ -2381,7 +2381,7 @@
           <a:p>
             <a:fld id="{29AA2D52-0666-440A-8514-837357297E09}" type="datetimeFigureOut">
               <a:rPr lang="ko-KR" altLang="en-US" smtClean="0"/>
-              <a:t>2020-08-16</a:t>
+              <a:t>2020-08-17</a:t>
             </a:fld>
             <a:endParaRPr lang="ko-KR" altLang="en-US"/>
           </a:p>
@@ -2669,7 +2669,7 @@
           <a:p>
             <a:fld id="{29AA2D52-0666-440A-8514-837357297E09}" type="datetimeFigureOut">
               <a:rPr lang="ko-KR" altLang="en-US" smtClean="0"/>
-              <a:t>2020-08-16</a:t>
+              <a:t>2020-08-17</a:t>
             </a:fld>
             <a:endParaRPr lang="ko-KR" altLang="en-US"/>
           </a:p>
@@ -2910,7 +2910,7 @@
           <a:p>
             <a:fld id="{29AA2D52-0666-440A-8514-837357297E09}" type="datetimeFigureOut">
               <a:rPr lang="ko-KR" altLang="en-US" smtClean="0"/>
-              <a:t>2020-08-16</a:t>
+              <a:t>2020-08-17</a:t>
             </a:fld>
             <a:endParaRPr lang="ko-KR" altLang="en-US"/>
           </a:p>
@@ -4019,6 +4019,7 @@
                 <a:effectLst/>
                 <a:latin typeface="바탕" panose="02030600000101010101" pitchFamily="18" charset="-127"/>
                 <a:cs typeface="Arial" panose="020B0604020202020204" pitchFamily="34" charset="0"/>
+                <a:hlinkClick r:id="rId3"/>
               </a:rPr>
               <a:t>https://d3js.org</a:t>
             </a:r>
